--- a/tenikhin IA.PPTX
+++ b/tenikhin IA.PPTX
@@ -307,7 +307,7 @@
           <a:p>
             <a:fld id="{57D0C836-1319-48D3-9360-4A036A75F80E}" type="datetimeFigureOut">
               <a:rPr lang="ru-RU" smtClean="0"/>
-              <a:t>22.01.2022</a:t>
+              <a:t>30.01.2022</a:t>
             </a:fld>
             <a:endParaRPr lang="ru-RU"/>
           </a:p>
@@ -645,7 +645,7 @@
           <a:p>
             <a:fld id="{57D0C836-1319-48D3-9360-4A036A75F80E}" type="datetimeFigureOut">
               <a:rPr lang="ru-RU" smtClean="0"/>
-              <a:t>22.01.2022</a:t>
+              <a:t>30.01.2022</a:t>
             </a:fld>
             <a:endParaRPr lang="ru-RU"/>
           </a:p>
@@ -1046,7 +1046,7 @@
           <a:p>
             <a:fld id="{57D0C836-1319-48D3-9360-4A036A75F80E}" type="datetimeFigureOut">
               <a:rPr lang="ru-RU" smtClean="0"/>
-              <a:t>22.01.2022</a:t>
+              <a:t>30.01.2022</a:t>
             </a:fld>
             <a:endParaRPr lang="ru-RU"/>
           </a:p>
@@ -1382,7 +1382,7 @@
           <a:p>
             <a:fld id="{57D0C836-1319-48D3-9360-4A036A75F80E}" type="datetimeFigureOut">
               <a:rPr lang="ru-RU" smtClean="0"/>
-              <a:t>22.01.2022</a:t>
+              <a:t>30.01.2022</a:t>
             </a:fld>
             <a:endParaRPr lang="ru-RU"/>
           </a:p>
@@ -1702,7 +1702,7 @@
           <a:p>
             <a:fld id="{57D0C836-1319-48D3-9360-4A036A75F80E}" type="datetimeFigureOut">
               <a:rPr lang="ru-RU" smtClean="0"/>
-              <a:t>22.01.2022</a:t>
+              <a:t>30.01.2022</a:t>
             </a:fld>
             <a:endParaRPr lang="ru-RU"/>
           </a:p>
@@ -2098,7 +2098,7 @@
           <a:p>
             <a:fld id="{57D0C836-1319-48D3-9360-4A036A75F80E}" type="datetimeFigureOut">
               <a:rPr lang="ru-RU" smtClean="0"/>
-              <a:t>22.01.2022</a:t>
+              <a:t>30.01.2022</a:t>
             </a:fld>
             <a:endParaRPr lang="ru-RU"/>
           </a:p>
@@ -2355,7 +2355,7 @@
           <a:p>
             <a:fld id="{57D0C836-1319-48D3-9360-4A036A75F80E}" type="datetimeFigureOut">
               <a:rPr lang="ru-RU" smtClean="0"/>
-              <a:t>22.01.2022</a:t>
+              <a:t>30.01.2022</a:t>
             </a:fld>
             <a:endParaRPr lang="ru-RU"/>
           </a:p>
@@ -2617,7 +2617,7 @@
           <a:p>
             <a:fld id="{57D0C836-1319-48D3-9360-4A036A75F80E}" type="datetimeFigureOut">
               <a:rPr lang="ru-RU" smtClean="0"/>
-              <a:t>22.01.2022</a:t>
+              <a:t>30.01.2022</a:t>
             </a:fld>
             <a:endParaRPr lang="ru-RU"/>
           </a:p>
@@ -2879,7 +2879,7 @@
           <a:p>
             <a:fld id="{57D0C836-1319-48D3-9360-4A036A75F80E}" type="datetimeFigureOut">
               <a:rPr lang="ru-RU" smtClean="0"/>
-              <a:t>22.01.2022</a:t>
+              <a:t>30.01.2022</a:t>
             </a:fld>
             <a:endParaRPr lang="ru-RU"/>
           </a:p>
@@ -3208,7 +3208,7 @@
           <a:p>
             <a:fld id="{57D0C836-1319-48D3-9360-4A036A75F80E}" type="datetimeFigureOut">
               <a:rPr lang="ru-RU" smtClean="0"/>
-              <a:t>22.01.2022</a:t>
+              <a:t>30.01.2022</a:t>
             </a:fld>
             <a:endParaRPr lang="ru-RU"/>
           </a:p>
@@ -3531,7 +3531,7 @@
           <a:p>
             <a:fld id="{57D0C836-1319-48D3-9360-4A036A75F80E}" type="datetimeFigureOut">
               <a:rPr lang="ru-RU" smtClean="0"/>
-              <a:t>22.01.2022</a:t>
+              <a:t>30.01.2022</a:t>
             </a:fld>
             <a:endParaRPr lang="ru-RU"/>
           </a:p>
@@ -3988,7 +3988,7 @@
           <a:p>
             <a:fld id="{57D0C836-1319-48D3-9360-4A036A75F80E}" type="datetimeFigureOut">
               <a:rPr lang="ru-RU" smtClean="0"/>
-              <a:t>22.01.2022</a:t>
+              <a:t>30.01.2022</a:t>
             </a:fld>
             <a:endParaRPr lang="ru-RU"/>
           </a:p>
@@ -4193,7 +4193,7 @@
           <a:p>
             <a:fld id="{57D0C836-1319-48D3-9360-4A036A75F80E}" type="datetimeFigureOut">
               <a:rPr lang="ru-RU" smtClean="0"/>
-              <a:t>22.01.2022</a:t>
+              <a:t>30.01.2022</a:t>
             </a:fld>
             <a:endParaRPr lang="ru-RU"/>
           </a:p>
@@ -4370,7 +4370,7 @@
           <a:p>
             <a:fld id="{57D0C836-1319-48D3-9360-4A036A75F80E}" type="datetimeFigureOut">
               <a:rPr lang="ru-RU" smtClean="0"/>
-              <a:t>22.01.2022</a:t>
+              <a:t>30.01.2022</a:t>
             </a:fld>
             <a:endParaRPr lang="ru-RU"/>
           </a:p>
@@ -4703,7 +4703,7 @@
           <a:p>
             <a:fld id="{57D0C836-1319-48D3-9360-4A036A75F80E}" type="datetimeFigureOut">
               <a:rPr lang="ru-RU" smtClean="0"/>
-              <a:t>22.01.2022</a:t>
+              <a:t>30.01.2022</a:t>
             </a:fld>
             <a:endParaRPr lang="ru-RU"/>
           </a:p>
@@ -5048,7 +5048,7 @@
           <a:p>
             <a:fld id="{57D0C836-1319-48D3-9360-4A036A75F80E}" type="datetimeFigureOut">
               <a:rPr lang="ru-RU" smtClean="0"/>
-              <a:t>22.01.2022</a:t>
+              <a:t>30.01.2022</a:t>
             </a:fld>
             <a:endParaRPr lang="ru-RU"/>
           </a:p>
@@ -7165,7 +7165,7 @@
           <a:p>
             <a:fld id="{57D0C836-1319-48D3-9360-4A036A75F80E}" type="datetimeFigureOut">
               <a:rPr lang="ru-RU" smtClean="0"/>
-              <a:t>22.01.2022</a:t>
+              <a:t>30.01.2022</a:t>
             </a:fld>
             <a:endParaRPr lang="ru-RU"/>
           </a:p>
@@ -7711,21 +7711,18 @@
           </a:bodyPr>
           <a:lstStyle/>
           <a:p>
-            <a:pPr algn="l">
-              <a:buFont typeface="Arial" panose="020B0604020202020204" pitchFamily="34" charset="0"/>
-              <a:buChar char="•"/>
-            </a:pPr>
-            <a:r>
-              <a:rPr lang="ru-RU" sz="3600" b="1" cap="all" dirty="0">
+            <a:pPr algn="l"/>
+            <a:r>
+              <a:rPr lang="en-US" sz="3500" b="1" cap="all" dirty="0">
                 <a:solidFill>
                   <a:srgbClr val="084870"/>
                 </a:solidFill>
                 <a:effectLst/>
-                <a:latin typeface="Academy"/>
+                <a:latin typeface="Times New Roman" panose="02020603050405020304" pitchFamily="18" charset="0"/>
                 <a:ea typeface="Times New Roman" panose="02020603050405020304" pitchFamily="18" charset="0"/>
                 <a:cs typeface="Times New Roman" panose="02020603050405020304" pitchFamily="18" charset="0"/>
               </a:rPr>
-              <a:t>                </a:t>
+              <a:t>        </a:t>
             </a:r>
             <a:r>
               <a:rPr lang="ru-RU" sz="3500" b="1" cap="all" dirty="0">
@@ -7985,7 +7982,29 @@
                 <a:ea typeface="Calibri" panose="020F0502020204030204" pitchFamily="34" charset="0"/>
                 <a:cs typeface="Times New Roman" panose="02020603050405020304" pitchFamily="18" charset="0"/>
               </a:rPr>
-              <a:t>                                                            Королев 2021 г.</a:t>
+              <a:t>                                                            Королев 202</a:t>
+            </a:r>
+            <a:r>
+              <a:rPr lang="en-US" sz="2800" b="1" dirty="0">
+                <a:solidFill>
+                  <a:srgbClr val="244061"/>
+                </a:solidFill>
+                <a:latin typeface="Times New Roman" panose="02020603050405020304" pitchFamily="18" charset="0"/>
+                <a:ea typeface="Calibri" panose="020F0502020204030204" pitchFamily="34" charset="0"/>
+                <a:cs typeface="Times New Roman" panose="02020603050405020304" pitchFamily="18" charset="0"/>
+              </a:rPr>
+              <a:t>2</a:t>
+            </a:r>
+            <a:r>
+              <a:rPr lang="ru-RU" sz="2800" b="1" dirty="0">
+                <a:solidFill>
+                  <a:srgbClr val="244061"/>
+                </a:solidFill>
+                <a:latin typeface="Times New Roman" panose="02020603050405020304" pitchFamily="18" charset="0"/>
+                <a:ea typeface="Calibri" panose="020F0502020204030204" pitchFamily="34" charset="0"/>
+                <a:cs typeface="Times New Roman" panose="02020603050405020304" pitchFamily="18" charset="0"/>
+              </a:rPr>
+              <a:t> г.</a:t>
             </a:r>
             <a:endParaRPr lang="ru-RU" sz="2800" dirty="0">
               <a:effectLst/>
@@ -8185,14 +8204,14 @@
           <a:lstStyle/>
           <a:p>
             <a:r>
-              <a:rPr lang="ru-RU" sz="2400" dirty="0">
+              <a:rPr lang="ru-RU" sz="2400" b="1" dirty="0">
                 <a:latin typeface="Times New Roman" panose="02020603050405020304" pitchFamily="18" charset="0"/>
                 <a:cs typeface="Times New Roman" panose="02020603050405020304" pitchFamily="18" charset="0"/>
               </a:rPr>
               <a:t>Цель</a:t>
             </a:r>
             <a:r>
-              <a:rPr lang="en-US" sz="2400" dirty="0">
+              <a:rPr lang="en-US" sz="2400" b="1" dirty="0">
                 <a:latin typeface="Times New Roman" panose="02020603050405020304" pitchFamily="18" charset="0"/>
                 <a:cs typeface="Times New Roman" panose="02020603050405020304" pitchFamily="18" charset="0"/>
               </a:rPr>
@@ -8212,14 +8231,14 @@
               </a:rPr>
             </a:br>
             <a:r>
-              <a:rPr lang="ru-RU" sz="2400" dirty="0">
+              <a:rPr lang="ru-RU" sz="2400" b="1" dirty="0">
                 <a:latin typeface="Times New Roman" panose="02020603050405020304" pitchFamily="18" charset="0"/>
                 <a:cs typeface="Times New Roman" panose="02020603050405020304" pitchFamily="18" charset="0"/>
               </a:rPr>
               <a:t>Задачи</a:t>
             </a:r>
             <a:r>
-              <a:rPr lang="en-US" sz="2400" dirty="0">
+              <a:rPr lang="en-US" sz="2400" b="1" dirty="0">
                 <a:latin typeface="Times New Roman" panose="02020603050405020304" pitchFamily="18" charset="0"/>
                 <a:cs typeface="Times New Roman" panose="02020603050405020304" pitchFamily="18" charset="0"/>
               </a:rPr>
@@ -8678,18 +8697,7 @@
           <a:lstStyle/>
           <a:p>
             <a:r>
-              <a:rPr lang="ru-RU" b="0" i="0" dirty="0">
-                <a:solidFill>
-                  <a:srgbClr val="000000"/>
-                </a:solidFill>
-                <a:effectLst/>
-                <a:latin typeface="Times New Roman" panose="02020603050405020304" pitchFamily="18" charset="0"/>
-                <a:cs typeface="Times New Roman" panose="02020603050405020304" pitchFamily="18" charset="0"/>
-              </a:rPr>
-              <a:t>1)</a:t>
-            </a:r>
-            <a:r>
-              <a:rPr lang="ru-RU" dirty="0">
+              <a:rPr lang="ru-RU" b="1" dirty="0">
                 <a:solidFill>
                   <a:srgbClr val="000000"/>
                 </a:solidFill>
@@ -9023,11 +9031,11 @@
           <a:lstStyle/>
           <a:p>
             <a:r>
-              <a:rPr lang="ru-RU" sz="4000" dirty="0">
+              <a:rPr lang="ru-RU" sz="4000" b="1" dirty="0">
                 <a:latin typeface="Times New Roman" panose="02020603050405020304" pitchFamily="18" charset="0"/>
                 <a:cs typeface="Times New Roman" panose="02020603050405020304" pitchFamily="18" charset="0"/>
               </a:rPr>
-              <a:t>2)Сроки и порядок проведения промежуточной аттестаций </a:t>
+              <a:t>Сроки и порядок проведения промежуточной аттестаций </a:t>
             </a:r>
             <a:br>
               <a:rPr lang="ru-RU" b="0" i="0" dirty="0">
@@ -9482,13 +9490,13 @@
           <a:lstStyle/>
           <a:p>
             <a:r>
-              <a:rPr lang="ru-RU" dirty="0">
+              <a:rPr lang="ru-RU" b="1" dirty="0">
                 <a:latin typeface="Times New Roman" panose="02020603050405020304" pitchFamily="18" charset="0"/>
                 <a:cs typeface="Times New Roman" panose="02020603050405020304" pitchFamily="18" charset="0"/>
               </a:rPr>
-              <a:t>3)Кто допускается к ИА и ГИА</a:t>
-            </a:r>
-            <a:endParaRPr lang="ru-RU" dirty="0"/>
+              <a:t>Кто допускается к ИА и ГИА</a:t>
+            </a:r>
+            <a:endParaRPr lang="ru-RU" b="1" dirty="0"/>
           </a:p>
         </p:txBody>
       </p:sp>
@@ -9824,14 +9832,14 @@
           <a:lstStyle/>
           <a:p>
             <a:r>
-              <a:rPr lang="ru-RU" dirty="0"/>
+              <a:rPr lang="ru-RU" b="1" dirty="0"/>
               <a:t>Вывод</a:t>
             </a:r>
             <a:r>
-              <a:rPr lang="en-US" dirty="0"/>
+              <a:rPr lang="en-US" b="1" dirty="0"/>
               <a:t>:</a:t>
             </a:r>
-            <a:endParaRPr lang="ru-RU" dirty="0"/>
+            <a:endParaRPr lang="ru-RU" b="1" dirty="0"/>
           </a:p>
         </p:txBody>
       </p:sp>
@@ -10153,13 +10161,18 @@
             <p:ph type="title"/>
           </p:nvPr>
         </p:nvSpPr>
-        <p:spPr/>
+        <p:spPr>
+          <a:xfrm>
+            <a:off x="2589212" y="546377"/>
+            <a:ext cx="8911687" cy="1280890"/>
+          </a:xfrm>
+        </p:spPr>
         <p:txBody>
           <a:bodyPr/>
           <a:lstStyle/>
           <a:p>
             <a:r>
-              <a:rPr lang="ru-RU" dirty="0">
+              <a:rPr lang="ru-RU" b="1" dirty="0">
                 <a:latin typeface="Times New Roman" panose="02020603050405020304" pitchFamily="18" charset="0"/>
                 <a:cs typeface="Times New Roman" panose="02020603050405020304" pitchFamily="18" charset="0"/>
               </a:rPr>
@@ -10192,91 +10205,85 @@
           <a:lstStyle/>
           <a:p>
             <a:r>
+              <a:rPr lang="en-US" sz="2400" dirty="0">
+                <a:latin typeface="Times New Roman" panose="02020603050405020304" pitchFamily="18" charset="0"/>
+                <a:cs typeface="Times New Roman" panose="02020603050405020304" pitchFamily="18" charset="0"/>
+              </a:rPr>
+              <a:t> http://fcoz.ru</a:t>
+            </a:r>
+            <a:r>
               <a:rPr lang="ru-RU" sz="2400" dirty="0">
                 <a:latin typeface="Times New Roman" panose="02020603050405020304" pitchFamily="18" charset="0"/>
                 <a:cs typeface="Times New Roman" panose="02020603050405020304" pitchFamily="18" charset="0"/>
               </a:rPr>
-              <a:t>1.</a:t>
+              <a:t> </a:t>
             </a:r>
             <a:r>
               <a:rPr lang="en-US" sz="2400" dirty="0">
                 <a:latin typeface="Times New Roman" panose="02020603050405020304" pitchFamily="18" charset="0"/>
                 <a:cs typeface="Times New Roman" panose="02020603050405020304" pitchFamily="18" charset="0"/>
               </a:rPr>
-              <a:t> http://fcoz.ru/obrazovatelnoe-pravo/analitika/obzory/detail.php?ELEMENT_ID=1999</a:t>
+              <a:t>(</a:t>
             </a:r>
             <a:r>
               <a:rPr lang="ru-RU" sz="2400" dirty="0">
                 <a:latin typeface="Times New Roman" panose="02020603050405020304" pitchFamily="18" charset="0"/>
                 <a:cs typeface="Times New Roman" panose="02020603050405020304" pitchFamily="18" charset="0"/>
               </a:rPr>
-              <a:t>2.</a:t>
-            </a:r>
+              <a:t>Федеральный центр образовательного законодательства)</a:t>
+            </a:r>
+            <a:endParaRPr lang="en-US" sz="2400" dirty="0">
+              <a:latin typeface="Times New Roman" panose="02020603050405020304" pitchFamily="18" charset="0"/>
+              <a:cs typeface="Times New Roman" panose="02020603050405020304" pitchFamily="18" charset="0"/>
+            </a:endParaRPr>
+          </a:p>
+          <a:p>
             <a:r>
               <a:rPr lang="en-US" sz="2400" dirty="0">
                 <a:latin typeface="Times New Roman" panose="02020603050405020304" pitchFamily="18" charset="0"/>
                 <a:cs typeface="Times New Roman" panose="02020603050405020304" pitchFamily="18" charset="0"/>
               </a:rPr>
-              <a:t> https://base.garant.ru/70442918/</a:t>
-            </a:r>
-            <a:endParaRPr lang="ru-RU" sz="2400" dirty="0">
-              <a:latin typeface="Times New Roman" panose="02020603050405020304" pitchFamily="18" charset="0"/>
-              <a:cs typeface="Times New Roman" panose="02020603050405020304" pitchFamily="18" charset="0"/>
-            </a:endParaRPr>
-          </a:p>
-          <a:p>
+              <a:t> https://base.garant.ru</a:t>
+            </a:r>
             <a:r>
               <a:rPr lang="ru-RU" sz="2400" dirty="0">
                 <a:latin typeface="Times New Roman" panose="02020603050405020304" pitchFamily="18" charset="0"/>
                 <a:cs typeface="Times New Roman" panose="02020603050405020304" pitchFamily="18" charset="0"/>
               </a:rPr>
-              <a:t>2.</a:t>
-            </a:r>
+              <a:t> (Документы системы ГАРАНТ)</a:t>
+            </a:r>
+          </a:p>
+          <a:p>
             <a:r>
               <a:rPr lang="en-US" sz="2400" dirty="0">
                 <a:latin typeface="Times New Roman" panose="02020603050405020304" pitchFamily="18" charset="0"/>
                 <a:cs typeface="Times New Roman" panose="02020603050405020304" pitchFamily="18" charset="0"/>
               </a:rPr>
-              <a:t> https://ciur.ru/izh/sl_izh/DocLib7/Forms/AllItems.aspx</a:t>
+              <a:t> https://ciur.ru</a:t>
             </a:r>
             <a:r>
               <a:rPr lang="ru-RU" sz="2400" dirty="0">
                 <a:latin typeface="Times New Roman" panose="02020603050405020304" pitchFamily="18" charset="0"/>
                 <a:cs typeface="Times New Roman" panose="02020603050405020304" pitchFamily="18" charset="0"/>
               </a:rPr>
-              <a:t>4.</a:t>
-            </a:r>
+              <a:t> (Образовательный портал Удмуртской Республики)</a:t>
+            </a:r>
+          </a:p>
+          <a:p>
             <a:r>
               <a:rPr lang="en-US" sz="2400" dirty="0">
                 <a:latin typeface="Times New Roman" panose="02020603050405020304" pitchFamily="18" charset="0"/>
                 <a:cs typeface="Times New Roman" panose="02020603050405020304" pitchFamily="18" charset="0"/>
               </a:rPr>
-              <a:t> https://base.garant.ru/70584436/</a:t>
-            </a:r>
-            <a:endParaRPr lang="ru-RU" sz="2400" dirty="0">
-              <a:latin typeface="Times New Roman" panose="02020603050405020304" pitchFamily="18" charset="0"/>
-              <a:cs typeface="Times New Roman" panose="02020603050405020304" pitchFamily="18" charset="0"/>
-            </a:endParaRPr>
-          </a:p>
-          <a:p>
+              <a:t> https://bal-sch1.edumsko.ru</a:t>
+            </a:r>
             <a:r>
               <a:rPr lang="ru-RU" sz="2400" dirty="0">
                 <a:latin typeface="Times New Roman" panose="02020603050405020304" pitchFamily="18" charset="0"/>
                 <a:cs typeface="Times New Roman" panose="02020603050405020304" pitchFamily="18" charset="0"/>
               </a:rPr>
-              <a:t>3.</a:t>
-            </a:r>
-            <a:r>
-              <a:rPr lang="en-US" sz="2400" dirty="0">
-                <a:latin typeface="Times New Roman" panose="02020603050405020304" pitchFamily="18" charset="0"/>
-                <a:cs typeface="Times New Roman" panose="02020603050405020304" pitchFamily="18" charset="0"/>
-              </a:rPr>
-              <a:t> https://bal-sch1.edumsko.ru/attestation/pa</a:t>
-            </a:r>
-            <a:endParaRPr lang="ru-RU" sz="2400" dirty="0">
-              <a:latin typeface="Times New Roman" panose="02020603050405020304" pitchFamily="18" charset="0"/>
-              <a:cs typeface="Times New Roman" panose="02020603050405020304" pitchFamily="18" charset="0"/>
-            </a:endParaRPr>
+              <a:t> (Управление по образованию Администрации ГО Балашиха)</a:t>
+            </a:r>
           </a:p>
         </p:txBody>
       </p:sp>
@@ -10420,7 +10427,7 @@
           <a:lstStyle/>
           <a:p>
             <a:r>
-              <a:rPr lang="ru-RU" dirty="0">
+              <a:rPr lang="ru-RU" b="1" dirty="0">
                 <a:latin typeface="Times New Roman" panose="02020603050405020304" pitchFamily="18" charset="0"/>
                 <a:cs typeface="Times New Roman" panose="02020603050405020304" pitchFamily="18" charset="0"/>
               </a:rPr>
